--- a/ДипломДокументы/Преддипломная практика/Преддипломная практика/Презентация практика.pptx
+++ b/ДипломДокументы/Преддипломная практика/Преддипломная практика/Презентация практика.pptx
@@ -13210,47 +13210,7 @@
                 <a:latin typeface="Times New Roman" panose="02020603050405020304" pitchFamily="18" charset="0"/>
                 <a:cs typeface="Times New Roman" panose="02020603050405020304" pitchFamily="18" charset="0"/>
               </a:rPr>
-              <a:t>«Разработать приложение с реализованной механикой инвентаря с использованием инструментов </a:t>
-            </a:r>
-            <a:r>
-              <a:rPr lang="ru-RU" sz="1800" b="1" i="1" dirty="0">
-                <a:solidFill>
-                  <a:schemeClr val="tx1"/>
-                </a:solidFill>
-                <a:latin typeface="Times New Roman" panose="02020603050405020304" pitchFamily="18" charset="0"/>
-                <a:cs typeface="Times New Roman" panose="02020603050405020304" pitchFamily="18" charset="0"/>
-              </a:rPr>
-              <a:t>Unity</a:t>
-            </a:r>
-            <a:r>
-              <a:rPr lang="ru-RU" sz="1800" b="1" dirty="0">
-                <a:solidFill>
-                  <a:schemeClr val="tx1"/>
-                </a:solidFill>
-                <a:latin typeface="Times New Roman" panose="02020603050405020304" pitchFamily="18" charset="0"/>
-                <a:cs typeface="Times New Roman" panose="02020603050405020304" pitchFamily="18" charset="0"/>
-              </a:rPr>
-              <a:t>2</a:t>
-            </a:r>
-            <a:r>
-              <a:rPr lang="ru-RU" sz="1800" b="1" i="1" dirty="0">
-                <a:solidFill>
-                  <a:schemeClr val="tx1"/>
-                </a:solidFill>
-                <a:latin typeface="Times New Roman" panose="02020603050405020304" pitchFamily="18" charset="0"/>
-                <a:cs typeface="Times New Roman" panose="02020603050405020304" pitchFamily="18" charset="0"/>
-              </a:rPr>
-              <a:t>D</a:t>
-            </a:r>
-            <a:r>
-              <a:rPr lang="ru-RU" sz="1800" b="1" dirty="0">
-                <a:solidFill>
-                  <a:schemeClr val="tx1"/>
-                </a:solidFill>
-                <a:latin typeface="Times New Roman" panose="02020603050405020304" pitchFamily="18" charset="0"/>
-                <a:cs typeface="Times New Roman" panose="02020603050405020304" pitchFamily="18" charset="0"/>
-              </a:rPr>
-              <a:t>»</a:t>
+              <a:t>«Разработать архитектуру и программные компоненты для игр в жанре фермерского симулятора»</a:t>
             </a:r>
             <a:endParaRPr lang="ru-RU" sz="1800" b="1" dirty="0">
               <a:solidFill>
@@ -13327,7 +13287,7 @@
                 <a:latin typeface="Times New Roman" panose="02020603050405020304" pitchFamily="18" charset="0"/>
                 <a:cs typeface="Times New Roman" panose="02020603050405020304" pitchFamily="18" charset="0"/>
               </a:rPr>
-              <a:t>Разработал ст. гр. ИТИ-42 </a:t>
+              <a:t>Разработал ст. гр. ИТИ-41 </a:t>
             </a:r>
           </a:p>
           <a:p>
@@ -13344,7 +13304,7 @@
                 <a:latin typeface="Times New Roman" panose="02020603050405020304" pitchFamily="18" charset="0"/>
                 <a:cs typeface="Times New Roman" panose="02020603050405020304" pitchFamily="18" charset="0"/>
               </a:rPr>
-              <a:t>Черкасов А.К.</a:t>
+              <a:t>Дубовцов И.Д.</a:t>
             </a:r>
           </a:p>
           <a:p>
@@ -13371,16 +13331,6 @@
               </a:spcBef>
             </a:pPr>
             <a:r>
-              <a:rPr lang="ru-RU" sz="1600" dirty="0" err="1">
-                <a:solidFill>
-                  <a:schemeClr val="tx1"/>
-                </a:solidFill>
-                <a:latin typeface="Times New Roman" panose="02020603050405020304" pitchFamily="18" charset="0"/>
-                <a:cs typeface="Times New Roman" panose="02020603050405020304" pitchFamily="18" charset="0"/>
-              </a:rPr>
-              <a:t>Комракова</a:t>
-            </a:r>
-            <a:r>
               <a:rPr lang="ru-RU" sz="1600" dirty="0">
                 <a:solidFill>
                   <a:schemeClr val="tx1"/>
@@ -13388,7 +13338,7 @@
                 <a:latin typeface="Times New Roman" panose="02020603050405020304" pitchFamily="18" charset="0"/>
                 <a:cs typeface="Times New Roman" panose="02020603050405020304" pitchFamily="18" charset="0"/>
               </a:rPr>
-              <a:t> Е.В.</a:t>
+              <a:t>Кравченко О.А.</a:t>
             </a:r>
           </a:p>
         </p:txBody>
@@ -13862,7 +13812,7 @@
         <p:spPr>
           <a:xfrm>
             <a:off x="678751" y="1205768"/>
-            <a:ext cx="7786497" cy="2091412"/>
+            <a:ext cx="7786497" cy="2776510"/>
           </a:xfrm>
           <a:prstGeom prst="rect">
             <a:avLst/>
@@ -14132,20 +14082,20 @@
               <a:buNone/>
             </a:pPr>
             <a:r>
-              <a:rPr lang="ru-RU" sz="1800" dirty="0">
+              <a:rPr lang="ru-RU" sz="2000" dirty="0">
                 <a:latin typeface="Times New Roman" panose="02020603050405020304" pitchFamily="18" charset="0"/>
                 <a:cs typeface="Times New Roman" panose="02020603050405020304" pitchFamily="18" charset="0"/>
               </a:rPr>
-              <a:t>‒ Трудность игрового процесса</a:t>
+              <a:t>‒ Игровая индустрия</a:t>
             </a:r>
             <a:r>
-              <a:rPr lang="en-US" sz="1800" dirty="0">
+              <a:rPr lang="en-US" sz="2000" dirty="0">
                 <a:latin typeface="Times New Roman" panose="02020603050405020304" pitchFamily="18" charset="0"/>
                 <a:cs typeface="Times New Roman" panose="02020603050405020304" pitchFamily="18" charset="0"/>
               </a:rPr>
               <a:t>;</a:t>
             </a:r>
-            <a:endParaRPr lang="ru-RU" sz="1800" dirty="0">
+            <a:endParaRPr lang="ru-RU" sz="2000" dirty="0">
               <a:latin typeface="Times New Roman" panose="02020603050405020304" pitchFamily="18" charset="0"/>
               <a:cs typeface="Times New Roman" panose="02020603050405020304" pitchFamily="18" charset="0"/>
             </a:endParaRPr>
@@ -14158,20 +14108,20 @@
               <a:buNone/>
             </a:pPr>
             <a:r>
-              <a:rPr lang="ru-RU" sz="1800" dirty="0">
+              <a:rPr lang="ru-RU" sz="2000" dirty="0">
                 <a:latin typeface="Times New Roman" panose="02020603050405020304" pitchFamily="18" charset="0"/>
                 <a:cs typeface="Times New Roman" panose="02020603050405020304" pitchFamily="18" charset="0"/>
               </a:rPr>
               <a:t>‒ Инновации в жанре в последнее время</a:t>
             </a:r>
             <a:r>
-              <a:rPr lang="en-US" sz="1800" dirty="0">
+              <a:rPr lang="en-US" sz="2000" dirty="0">
                 <a:latin typeface="Times New Roman" panose="02020603050405020304" pitchFamily="18" charset="0"/>
                 <a:cs typeface="Times New Roman" panose="02020603050405020304" pitchFamily="18" charset="0"/>
               </a:rPr>
               <a:t>;</a:t>
             </a:r>
-            <a:endParaRPr lang="ru-RU" sz="1800" dirty="0">
+            <a:endParaRPr lang="ru-RU" sz="2000" dirty="0">
               <a:latin typeface="Times New Roman" panose="02020603050405020304" pitchFamily="18" charset="0"/>
               <a:cs typeface="Times New Roman" panose="02020603050405020304" pitchFamily="18" charset="0"/>
             </a:endParaRPr>
@@ -14184,26 +14134,23 @@
               <a:buNone/>
             </a:pPr>
             <a:r>
-              <a:rPr lang="ru-RU" sz="1800" dirty="0">
+              <a:rPr lang="ru-RU" sz="2000" dirty="0">
                 <a:latin typeface="Times New Roman" panose="02020603050405020304" pitchFamily="18" charset="0"/>
                 <a:cs typeface="Times New Roman" panose="02020603050405020304" pitchFamily="18" charset="0"/>
               </a:rPr>
-              <a:t>‒ Разнообразие стилей и тем игр жанра «</a:t>
+              <a:t>‒ Широкая аудитория жанра</a:t>
             </a:r>
             <a:r>
-              <a:rPr lang="en-US" sz="1800" i="1" dirty="0">
+              <a:rPr lang="en-US" sz="2000" dirty="0">
                 <a:latin typeface="Times New Roman" panose="02020603050405020304" pitchFamily="18" charset="0"/>
                 <a:cs typeface="Times New Roman" panose="02020603050405020304" pitchFamily="18" charset="0"/>
               </a:rPr>
-              <a:t>Roguelike</a:t>
+              <a:t>;</a:t>
             </a:r>
-            <a:r>
-              <a:rPr lang="ru-RU" sz="1800" dirty="0">
-                <a:latin typeface="Times New Roman" panose="02020603050405020304" pitchFamily="18" charset="0"/>
-                <a:cs typeface="Times New Roman" panose="02020603050405020304" pitchFamily="18" charset="0"/>
-              </a:rPr>
-              <a:t>»</a:t>
-            </a:r>
+            <a:endParaRPr lang="ru-RU" sz="2000" dirty="0">
+              <a:latin typeface="Times New Roman" panose="02020603050405020304" pitchFamily="18" charset="0"/>
+              <a:cs typeface="Times New Roman" panose="02020603050405020304" pitchFamily="18" charset="0"/>
+            </a:endParaRPr>
           </a:p>
           <a:p>
             <a:pPr marL="0" indent="0" algn="just">
@@ -14213,7 +14160,7 @@
               <a:buNone/>
             </a:pPr>
             <a:r>
-              <a:rPr lang="ru-RU" sz="1800" dirty="0">
+              <a:rPr lang="ru-RU" sz="2000" dirty="0">
                 <a:latin typeface="Times New Roman" panose="02020603050405020304" pitchFamily="18" charset="0"/>
                 <a:cs typeface="Times New Roman" panose="02020603050405020304" pitchFamily="18" charset="0"/>
               </a:rPr>
@@ -14288,24 +14235,7 @@
                 <a:ea typeface="Times New Roman" panose="02020603050405020304" pitchFamily="18" charset="0"/>
                 <a:cs typeface="Times New Roman" panose="02020603050405020304" pitchFamily="18" charset="0"/>
               </a:rPr>
-              <a:t>Игра в жанре «</a:t>
-            </a:r>
-            <a:r>
-              <a:rPr lang="en-US" sz="1800" i="1" dirty="0">
-                <a:effectLst/>
-                <a:latin typeface="Times New Roman" panose="02020603050405020304" pitchFamily="18" charset="0"/>
-                <a:ea typeface="Times New Roman" panose="02020603050405020304" pitchFamily="18" charset="0"/>
-                <a:cs typeface="Times New Roman" panose="02020603050405020304" pitchFamily="18" charset="0"/>
-              </a:rPr>
-              <a:t>Roguelike</a:t>
-            </a:r>
-            <a:r>
-              <a:rPr lang="ru-RU" sz="1800" dirty="0">
-                <a:latin typeface="Times New Roman" panose="02020603050405020304" pitchFamily="18" charset="0"/>
-                <a:ea typeface="Times New Roman" panose="02020603050405020304" pitchFamily="18" charset="0"/>
-                <a:cs typeface="Times New Roman" panose="02020603050405020304" pitchFamily="18" charset="0"/>
-              </a:rPr>
-              <a:t>»</a:t>
+              <a:t>Игра в жанре симулятора фермы</a:t>
             </a:r>
             <a:endParaRPr sz="900" dirty="0">
               <a:latin typeface="Times New Roman" panose="02020603050405020304" pitchFamily="18" charset="0"/>
@@ -14326,8 +14256,8 @@
         </p:nvSpPr>
         <p:spPr>
           <a:xfrm>
-            <a:off x="4882149" y="1141205"/>
-            <a:ext cx="3733724" cy="792600"/>
+            <a:off x="4682834" y="955675"/>
+            <a:ext cx="3733724" cy="3530186"/>
           </a:xfrm>
           <a:prstGeom prst="rect">
             <a:avLst/>
@@ -14346,82 +14276,20 @@
               <a:buNone/>
             </a:pPr>
             <a:r>
-              <a:rPr lang="ru-RU" sz="1800" dirty="0">
-                <a:effectLst/>
+              <a:rPr lang="en-US" sz="1800" dirty="0">
                 <a:latin typeface="Times New Roman" panose="02020603050405020304" pitchFamily="18" charset="0"/>
-                <a:ea typeface="Times New Roman" panose="02020603050405020304" pitchFamily="18" charset="0"/>
                 <a:cs typeface="Times New Roman" panose="02020603050405020304" pitchFamily="18" charset="0"/>
               </a:rPr>
-              <a:t>«</a:t>
-            </a:r>
-            <a:r>
-              <a:rPr lang="en-US" sz="1800" i="1" dirty="0">
-                <a:effectLst/>
-                <a:latin typeface="Times New Roman" panose="02020603050405020304" pitchFamily="18" charset="0"/>
-                <a:ea typeface="Times New Roman" panose="02020603050405020304" pitchFamily="18" charset="0"/>
-                <a:cs typeface="Times New Roman" panose="02020603050405020304" pitchFamily="18" charset="0"/>
-              </a:rPr>
-              <a:t>Roguelike</a:t>
+              <a:t>	</a:t>
             </a:r>
             <a:r>
               <a:rPr lang="ru-RU" sz="1800" dirty="0">
                 <a:latin typeface="Times New Roman" panose="02020603050405020304" pitchFamily="18" charset="0"/>
-                <a:ea typeface="Times New Roman" panose="02020603050405020304" pitchFamily="18" charset="0"/>
                 <a:cs typeface="Times New Roman" panose="02020603050405020304" pitchFamily="18" charset="0"/>
               </a:rPr>
-              <a:t>» ‒ это видеоигра, целью которой является прохождения большого количества различных по наполнению уровней, связанных тематически и в сюжетном плане. Особенностью игр в жанре </a:t>
+              <a:t>Фермерский симулятор – это видеоигра, в которой игроку предстоит управлять сельским хозяйством, строить и развивать ферму, и заботиться о ее процветании. Особенностью игр в жанре "фермерский симулятор" является уникальное сочетание управления ресурсами, развития фермы и заботы о растениях и животных.</a:t>
             </a:r>
-            <a:r>
-              <a:rPr lang="ru-RU" sz="1800" dirty="0">
-                <a:effectLst/>
-                <a:latin typeface="Times New Roman" panose="02020603050405020304" pitchFamily="18" charset="0"/>
-                <a:ea typeface="Times New Roman" panose="02020603050405020304" pitchFamily="18" charset="0"/>
-                <a:cs typeface="Times New Roman" panose="02020603050405020304" pitchFamily="18" charset="0"/>
-              </a:rPr>
-              <a:t>«</a:t>
-            </a:r>
-            <a:r>
-              <a:rPr lang="en-US" sz="1800" i="1" dirty="0">
-                <a:latin typeface="Times New Roman" panose="02020603050405020304" pitchFamily="18" charset="0"/>
-                <a:ea typeface="Times New Roman" panose="02020603050405020304" pitchFamily="18" charset="0"/>
-                <a:cs typeface="Times New Roman" panose="02020603050405020304" pitchFamily="18" charset="0"/>
-              </a:rPr>
-              <a:t>r</a:t>
-            </a:r>
-            <a:r>
-              <a:rPr lang="en-US" sz="1800" i="1" dirty="0">
-                <a:effectLst/>
-                <a:latin typeface="Times New Roman" panose="02020603050405020304" pitchFamily="18" charset="0"/>
-                <a:ea typeface="Times New Roman" panose="02020603050405020304" pitchFamily="18" charset="0"/>
-                <a:cs typeface="Times New Roman" panose="02020603050405020304" pitchFamily="18" charset="0"/>
-              </a:rPr>
-              <a:t>oguelike</a:t>
-            </a:r>
-            <a:r>
-              <a:rPr lang="ru-RU" sz="1800" dirty="0">
-                <a:latin typeface="Times New Roman" panose="02020603050405020304" pitchFamily="18" charset="0"/>
-                <a:ea typeface="Times New Roman" panose="02020603050405020304" pitchFamily="18" charset="0"/>
-                <a:cs typeface="Times New Roman" panose="02020603050405020304" pitchFamily="18" charset="0"/>
-              </a:rPr>
-              <a:t>» можно назвать </a:t>
-            </a:r>
-            <a:r>
-              <a:rPr lang="ru-RU" sz="1800" dirty="0" err="1">
-                <a:latin typeface="Times New Roman" panose="02020603050405020304" pitchFamily="18" charset="0"/>
-                <a:ea typeface="Times New Roman" panose="02020603050405020304" pitchFamily="18" charset="0"/>
-                <a:cs typeface="Times New Roman" panose="02020603050405020304" pitchFamily="18" charset="0"/>
-              </a:rPr>
-              <a:t>репетативный</a:t>
-            </a:r>
-            <a:r>
-              <a:rPr lang="ru-RU" sz="1800" dirty="0">
-                <a:latin typeface="Times New Roman" panose="02020603050405020304" pitchFamily="18" charset="0"/>
-                <a:ea typeface="Times New Roman" panose="02020603050405020304" pitchFamily="18" charset="0"/>
-                <a:cs typeface="Times New Roman" panose="02020603050405020304" pitchFamily="18" charset="0"/>
-              </a:rPr>
-              <a:t> игровой процесс и визуальный стиль.</a:t>
-            </a:r>
-            <a:endParaRPr dirty="0">
+            <a:endParaRPr sz="1800" dirty="0">
               <a:latin typeface="Times New Roman" panose="02020603050405020304" pitchFamily="18" charset="0"/>
               <a:cs typeface="Times New Roman" panose="02020603050405020304" pitchFamily="18" charset="0"/>
             </a:endParaRPr>
@@ -14692,33 +14560,7 @@
                 <a:ea typeface="Segoe UI Black" panose="020B0A02040204020203" pitchFamily="34" charset="0"/>
                 <a:cs typeface="Times New Roman" panose="02020603050405020304" pitchFamily="18" charset="0"/>
               </a:rPr>
-              <a:t>Жанр </a:t>
-            </a:r>
-            <a:r>
-              <a:rPr lang="ru-RU" sz="2400" dirty="0">
-                <a:effectLst/>
-                <a:latin typeface="Times New Roman" panose="02020603050405020304" pitchFamily="18" charset="0"/>
-                <a:ea typeface="Times New Roman" panose="02020603050405020304" pitchFamily="18" charset="0"/>
-                <a:cs typeface="Times New Roman" panose="02020603050405020304" pitchFamily="18" charset="0"/>
-              </a:rPr>
-              <a:t>«</a:t>
-            </a:r>
-            <a:r>
-              <a:rPr lang="en-US" sz="2400" i="1" dirty="0">
-                <a:effectLst/>
-                <a:latin typeface="Times New Roman" panose="02020603050405020304" pitchFamily="18" charset="0"/>
-                <a:ea typeface="Times New Roman" panose="02020603050405020304" pitchFamily="18" charset="0"/>
-                <a:cs typeface="Times New Roman" panose="02020603050405020304" pitchFamily="18" charset="0"/>
-              </a:rPr>
-              <a:t>Roguelike</a:t>
-            </a:r>
-            <a:r>
-              <a:rPr lang="ru-RU" sz="2400" dirty="0">
-                <a:latin typeface="Times New Roman" panose="02020603050405020304" pitchFamily="18" charset="0"/>
-                <a:ea typeface="Times New Roman" panose="02020603050405020304" pitchFamily="18" charset="0"/>
-                <a:cs typeface="Times New Roman" panose="02020603050405020304" pitchFamily="18" charset="0"/>
-              </a:rPr>
-              <a:t>»</a:t>
+              <a:t>Жанр симулятора фермы</a:t>
             </a:r>
             <a:endParaRPr lang="ru-RU" sz="2400" i="1" dirty="0">
               <a:latin typeface="Times New Roman" panose="02020603050405020304" pitchFamily="18" charset="0"/>
@@ -14773,47 +14615,32 @@
       </p:pic>
       <p:pic>
         <p:nvPicPr>
-          <p:cNvPr id="1036" name="Picture 12">
+          <p:cNvPr id="2" name="Рисунок 1">
             <a:extLst>
               <a:ext uri="{FF2B5EF4-FFF2-40B4-BE49-F238E27FC236}">
-                <a16:creationId xmlns:a16="http://schemas.microsoft.com/office/drawing/2014/main" id="{FD49B5AA-4717-D2D6-9A26-9E8E0D54C434}"/>
+                <a16:creationId xmlns:a16="http://schemas.microsoft.com/office/drawing/2014/main" id="{7A768BDE-5A60-AD40-307D-BF706168505F}"/>
               </a:ext>
             </a:extLst>
           </p:cNvPr>
           <p:cNvPicPr>
-            <a:picLocks noChangeAspect="1" noChangeArrowheads="1"/>
+            <a:picLocks noChangeAspect="1"/>
           </p:cNvPicPr>
           <p:nvPr/>
         </p:nvPicPr>
-        <p:blipFill rotWithShape="1">
-          <a:blip r:embed="rId4">
-            <a:extLst>
-              <a:ext uri="{28A0092B-C50C-407E-A947-70E740481C1C}">
-                <a14:useLocalDpi xmlns:a14="http://schemas.microsoft.com/office/drawing/2010/main" val="0"/>
-              </a:ext>
-            </a:extLst>
-          </a:blip>
-          <a:srcRect b="20899"/>
-          <a:stretch/>
+        <p:blipFill>
+          <a:blip r:embed="rId4"/>
+          <a:stretch>
+            <a:fillRect/>
+          </a:stretch>
         </p:blipFill>
-        <p:spPr bwMode="auto">
+        <p:spPr>
           <a:xfrm>
-            <a:off x="528127" y="1141205"/>
-            <a:ext cx="3905270" cy="2059405"/>
+            <a:off x="446361" y="1141205"/>
+            <a:ext cx="4014807" cy="2224847"/>
           </a:xfrm>
           <a:prstGeom prst="rect">
             <a:avLst/>
           </a:prstGeom>
-          <a:noFill/>
-          <a:extLst>
-            <a:ext uri="{909E8E84-426E-40DD-AFC4-6F175D3DCCD1}">
-              <a14:hiddenFill xmlns:a14="http://schemas.microsoft.com/office/drawing/2010/main">
-                <a:solidFill>
-                  <a:srgbClr val="FFFFFF"/>
-                </a:solidFill>
-              </a14:hiddenFill>
-            </a:ext>
-          </a:extLst>
         </p:spPr>
       </p:pic>
     </p:spTree>
@@ -16364,18 +16191,11 @@
               <a:t>«</a:t>
             </a:r>
             <a:r>
-              <a:rPr lang="en-US" sz="2000" dirty="0">
+              <a:rPr lang="en-US" sz="2000" i="1" dirty="0">
                 <a:latin typeface="Times New Roman" panose="02020603050405020304" pitchFamily="18" charset="0"/>
                 <a:cs typeface="Times New Roman" panose="02020603050405020304" pitchFamily="18" charset="0"/>
               </a:rPr>
-              <a:t>Enter the </a:t>
-            </a:r>
-            <a:r>
-              <a:rPr lang="en-US" sz="2000" dirty="0" err="1">
-                <a:latin typeface="Times New Roman" panose="02020603050405020304" pitchFamily="18" charset="0"/>
-                <a:cs typeface="Times New Roman" panose="02020603050405020304" pitchFamily="18" charset="0"/>
-              </a:rPr>
-              <a:t>Gungeon</a:t>
+              <a:t>Stardew valley</a:t>
             </a:r>
             <a:r>
               <a:rPr lang="ru-RU" sz="2000" dirty="0">
@@ -16731,6 +16551,7 @@
           </a:bodyPr>
           <a:lstStyle/>
           <a:p>
+            <a:pPr algn="ctr"/>
             <a:r>
               <a:rPr lang="ru-RU" sz="2000" dirty="0">
                 <a:latin typeface="Times New Roman" panose="02020603050405020304" pitchFamily="18" charset="0"/>
@@ -16739,18 +16560,11 @@
               <a:t>«</a:t>
             </a:r>
             <a:r>
-              <a:rPr lang="en-US" sz="2000" dirty="0">
+              <a:rPr lang="en-US" sz="2000" i="1" dirty="0">
                 <a:latin typeface="Times New Roman" panose="02020603050405020304" pitchFamily="18" charset="0"/>
                 <a:cs typeface="Times New Roman" panose="02020603050405020304" pitchFamily="18" charset="0"/>
               </a:rPr>
-              <a:t>Crypt of the </a:t>
-            </a:r>
-            <a:r>
-              <a:rPr lang="en-US" sz="2000" dirty="0" err="1">
-                <a:latin typeface="Times New Roman" panose="02020603050405020304" pitchFamily="18" charset="0"/>
-                <a:cs typeface="Times New Roman" panose="02020603050405020304" pitchFamily="18" charset="0"/>
-              </a:rPr>
-              <a:t>Necrodancer</a:t>
+              <a:t>Sun Haven</a:t>
             </a:r>
             <a:r>
               <a:rPr lang="ru-RU" sz="2000" dirty="0">
@@ -16768,57 +16582,40 @@
       </p:sp>
       <p:pic>
         <p:nvPicPr>
-          <p:cNvPr id="4" name="Picture 4">
+          <p:cNvPr id="5" name="Рисунок 4">
             <a:extLst>
               <a:ext uri="{FF2B5EF4-FFF2-40B4-BE49-F238E27FC236}">
-                <a16:creationId xmlns:a16="http://schemas.microsoft.com/office/drawing/2014/main" id="{E5E5D550-D02F-DA78-E23C-F51857FB8F4F}"/>
+                <a16:creationId xmlns:a16="http://schemas.microsoft.com/office/drawing/2014/main" id="{5692686F-1FBF-0892-EDCA-224186D9FCED}"/>
               </a:ext>
             </a:extLst>
           </p:cNvPr>
           <p:cNvPicPr>
-            <a:picLocks noChangeAspect="1" noChangeArrowheads="1"/>
+            <a:picLocks noChangeAspect="1"/>
           </p:cNvPicPr>
           <p:nvPr/>
         </p:nvPicPr>
         <p:blipFill>
-          <a:blip r:embed="rId4">
-            <a:extLst>
-              <a:ext uri="{28A0092B-C50C-407E-A947-70E740481C1C}">
-                <a14:useLocalDpi xmlns:a14="http://schemas.microsoft.com/office/drawing/2010/main" val="0"/>
-              </a:ext>
-            </a:extLst>
-          </a:blip>
-          <a:srcRect/>
+          <a:blip r:embed="rId4"/>
           <a:stretch>
             <a:fillRect/>
           </a:stretch>
         </p:blipFill>
-        <p:spPr bwMode="auto">
+        <p:spPr>
           <a:xfrm>
-            <a:off x="446361" y="1175713"/>
-            <a:ext cx="3938609" cy="2215468"/>
+            <a:off x="327034" y="1152241"/>
+            <a:ext cx="4244966" cy="2215468"/>
           </a:xfrm>
           <a:prstGeom prst="rect">
             <a:avLst/>
           </a:prstGeom>
-          <a:noFill/>
-          <a:extLst>
-            <a:ext uri="{909E8E84-426E-40DD-AFC4-6F175D3DCCD1}">
-              <a14:hiddenFill xmlns:a14="http://schemas.microsoft.com/office/drawing/2010/main">
-                <a:solidFill>
-                  <a:srgbClr val="FFFFFF"/>
-                </a:solidFill>
-              </a14:hiddenFill>
-            </a:ext>
-          </a:extLst>
         </p:spPr>
       </p:pic>
       <p:pic>
         <p:nvPicPr>
-          <p:cNvPr id="2054" name="Picture 6">
+          <p:cNvPr id="1026" name="Picture 2">
             <a:extLst>
               <a:ext uri="{FF2B5EF4-FFF2-40B4-BE49-F238E27FC236}">
-                <a16:creationId xmlns:a16="http://schemas.microsoft.com/office/drawing/2014/main" id="{545B1C0E-C11D-B1FD-6588-E5FE4563FC4A}"/>
+                <a16:creationId xmlns:a16="http://schemas.microsoft.com/office/drawing/2014/main" id="{E1F2CC58-1157-9395-C86C-70A201F61E9A}"/>
               </a:ext>
             </a:extLst>
           </p:cNvPr>
@@ -16842,8 +16639,8 @@
         </p:blipFill>
         <p:spPr bwMode="auto">
           <a:xfrm>
-            <a:off x="4759030" y="1175713"/>
-            <a:ext cx="3938609" cy="2215468"/>
+            <a:off x="4825111" y="1152241"/>
+            <a:ext cx="3921324" cy="2158034"/>
           </a:xfrm>
           <a:prstGeom prst="rect">
             <a:avLst/>
@@ -17481,7 +17278,7 @@
                 <a:ea typeface="Segoe UI Historic" panose="020B0502040204020203" pitchFamily="34" charset="0"/>
                 <a:cs typeface="Times New Roman" panose="02020603050405020304" pitchFamily="18" charset="0"/>
               </a:rPr>
-              <a:t>Обзор игр жанра</a:t>
+              <a:t>Обзор жанра</a:t>
             </a:r>
             <a:r>
               <a:rPr lang="en-US" sz="1800" dirty="0">
@@ -17557,7 +17354,7 @@
                 <a:ea typeface="Segoe UI Historic" panose="020B0502040204020203" pitchFamily="34" charset="0"/>
                 <a:cs typeface="Times New Roman" panose="02020603050405020304" pitchFamily="18" charset="0"/>
               </a:rPr>
-              <a:t>Разработка интерфейса и тестовых скриптов</a:t>
+              <a:t>Разработка интерфейса и скриптов</a:t>
             </a:r>
             <a:r>
               <a:rPr lang="en-US" sz="1800" dirty="0">
@@ -17773,10 +17570,10 @@
       </p:sp>
       <p:pic>
         <p:nvPicPr>
-          <p:cNvPr id="3" name="Рисунок 2">
+          <p:cNvPr id="2" name="Рисунок 1">
             <a:extLst>
               <a:ext uri="{FF2B5EF4-FFF2-40B4-BE49-F238E27FC236}">
-                <a16:creationId xmlns:a16="http://schemas.microsoft.com/office/drawing/2014/main" id="{2DCD1CCE-2A1F-D206-D643-854B71E47383}"/>
+                <a16:creationId xmlns:a16="http://schemas.microsoft.com/office/drawing/2014/main" id="{810F6229-2034-8DC7-88DE-89A675115E12}"/>
               </a:ext>
             </a:extLst>
           </p:cNvPr>
@@ -17793,8 +17590,8 @@
         </p:blipFill>
         <p:spPr>
           <a:xfrm>
-            <a:off x="2502996" y="1247590"/>
-            <a:ext cx="4391638" cy="2648320"/>
+            <a:off x="1655314" y="1482813"/>
+            <a:ext cx="5833369" cy="2904963"/>
           </a:xfrm>
           <a:prstGeom prst="rect">
             <a:avLst/>
@@ -18381,6 +18178,14 @@
           <a:p>
             <a:pPr marL="0" indent="0" algn="just"/>
             <a:r>
+              <a:rPr lang="en-US" sz="2000" dirty="0">
+                <a:latin typeface="Times New Roman" panose="02020603050405020304" pitchFamily="18" charset="0"/>
+                <a:ea typeface="Segoe UI Historic" panose="020B0502040204020203" pitchFamily="34" charset="0"/>
+                <a:cs typeface="Times New Roman" panose="02020603050405020304" pitchFamily="18" charset="0"/>
+              </a:rPr>
+              <a:t>	</a:t>
+            </a:r>
+            <a:r>
               <a:rPr lang="ru-RU" sz="2000" dirty="0">
                 <a:latin typeface="Times New Roman" panose="02020603050405020304" pitchFamily="18" charset="0"/>
                 <a:ea typeface="Segoe UI Historic" panose="020B0502040204020203" pitchFamily="34" charset="0"/>
@@ -18389,12 +18194,12 @@
               <a:t>Результатом преддипломной практики является игровое тестовое приложение «</a:t>
             </a:r>
             <a:r>
-              <a:rPr lang="en-US" sz="2000" i="1" dirty="0">
+              <a:rPr lang="en-US" sz="2000" i="1" dirty="0" err="1">
                 <a:latin typeface="Times New Roman" panose="02020603050405020304" pitchFamily="18" charset="0"/>
                 <a:ea typeface="Segoe UI Historic" panose="020B0502040204020203" pitchFamily="34" charset="0"/>
                 <a:cs typeface="Times New Roman" panose="02020603050405020304" pitchFamily="18" charset="0"/>
               </a:rPr>
-              <a:t>Inventory</a:t>
+              <a:t>SaveLoadInventory</a:t>
             </a:r>
             <a:r>
               <a:rPr lang="ru-RU" sz="2000" dirty="0">
@@ -18407,6 +18212,14 @@
           </a:p>
           <a:p>
             <a:pPr marL="0" indent="0" algn="just"/>
+            <a:r>
+              <a:rPr lang="en-US" sz="2000" dirty="0">
+                <a:latin typeface="Times New Roman" panose="02020603050405020304" pitchFamily="18" charset="0"/>
+                <a:ea typeface="Segoe UI Historic" panose="020B0502040204020203" pitchFamily="34" charset="0"/>
+                <a:cs typeface="Times New Roman" panose="02020603050405020304" pitchFamily="18" charset="0"/>
+              </a:rPr>
+              <a:t>	</a:t>
+            </a:r>
             <a:r>
               <a:rPr lang="ru-RU" sz="2000" dirty="0">
                 <a:latin typeface="Times New Roman" panose="02020603050405020304" pitchFamily="18" charset="0"/>
@@ -18424,7 +18237,31 @@
                 <a:ea typeface="Segoe UI Historic" panose="020B0502040204020203" pitchFamily="34" charset="0"/>
                 <a:cs typeface="Times New Roman" panose="02020603050405020304" pitchFamily="18" charset="0"/>
               </a:rPr>
-              <a:t>Функционал реализован с использованием среды </a:t>
+              <a:t>Функционал реализован с использованием среды</a:t>
+            </a:r>
+            <a:r>
+              <a:rPr lang="en-US" sz="2000" dirty="0">
+                <a:latin typeface="Times New Roman" panose="02020603050405020304" pitchFamily="18" charset="0"/>
+                <a:ea typeface="Segoe UI Historic" panose="020B0502040204020203" pitchFamily="34" charset="0"/>
+                <a:cs typeface="Times New Roman" panose="02020603050405020304" pitchFamily="18" charset="0"/>
+              </a:rPr>
+              <a:t>.</a:t>
+            </a:r>
+            <a:r>
+              <a:rPr lang="ru-RU" sz="2000" dirty="0">
+                <a:latin typeface="Times New Roman" panose="02020603050405020304" pitchFamily="18" charset="0"/>
+                <a:ea typeface="Segoe UI Historic" panose="020B0502040204020203" pitchFamily="34" charset="0"/>
+                <a:cs typeface="Times New Roman" panose="02020603050405020304" pitchFamily="18" charset="0"/>
+              </a:rPr>
+              <a:t> </a:t>
+            </a:r>
+            <a:r>
+              <a:rPr lang="en-US" sz="2000" dirty="0">
+                <a:latin typeface="Times New Roman" panose="02020603050405020304" pitchFamily="18" charset="0"/>
+                <a:ea typeface="Segoe UI Historic" panose="020B0502040204020203" pitchFamily="34" charset="0"/>
+                <a:cs typeface="Times New Roman" panose="02020603050405020304" pitchFamily="18" charset="0"/>
+              </a:rPr>
+              <a:t>	</a:t>
             </a:r>
             <a:r>
               <a:rPr lang="en-US" sz="2000" i="1" dirty="0">
